--- a/docs/slides/class/12-NetNeutrality.pptx
+++ b/docs/slides/class/12-NetNeutrality.pptx
@@ -123,6 +123,11 @@
       </a:defRPr>
     </a:lvl9pPr>
   </p:defaultTextStyle>
+  <p:extLst>
+    <p:ext uri="{EFAFB233-063F-42B5-8137-9DF3F51BA10A}">
+      <p15:sldGuideLst xmlns:p15="http://schemas.microsoft.com/office/powerpoint/2012/main"/>
+    </p:ext>
+  </p:extLst>
 </p:presentation>
 </file>
 
@@ -208,7 +213,7 @@
           <a:p>
             <a:fld id="{7C411006-DE39-1549-B9B6-51547FF947EB}" type="datetimeFigureOut">
               <a:rPr lang="en-US" smtClean="0"/>
-              <a:t>2/22/22</a:t>
+              <a:t>11/19/24</a:t>
             </a:fld>
             <a:endParaRPr lang="en-US"/>
           </a:p>
@@ -1555,7 +1560,7 @@
           <a:p>
             <a:fld id="{35ECD0B9-2EC5-1A48-9CF3-F314189B44A4}" type="datetimeFigureOut">
               <a:rPr lang="en-US" smtClean="0"/>
-              <a:t>2/22/22</a:t>
+              <a:t>11/19/24</a:t>
             </a:fld>
             <a:endParaRPr lang="en-US"/>
           </a:p>
@@ -1753,7 +1758,7 @@
           <a:p>
             <a:fld id="{35ECD0B9-2EC5-1A48-9CF3-F314189B44A4}" type="datetimeFigureOut">
               <a:rPr lang="en-US" smtClean="0"/>
-              <a:t>2/22/22</a:t>
+              <a:t>11/19/24</a:t>
             </a:fld>
             <a:endParaRPr lang="en-US"/>
           </a:p>
@@ -1961,7 +1966,7 @@
           <a:p>
             <a:fld id="{35ECD0B9-2EC5-1A48-9CF3-F314189B44A4}" type="datetimeFigureOut">
               <a:rPr lang="en-US" smtClean="0"/>
-              <a:t>2/22/22</a:t>
+              <a:t>11/19/24</a:t>
             </a:fld>
             <a:endParaRPr lang="en-US"/>
           </a:p>
@@ -2387,7 +2392,7 @@
           <a:p>
             <a:fld id="{35ECD0B9-2EC5-1A48-9CF3-F314189B44A4}" type="datetimeFigureOut">
               <a:rPr lang="en-US" smtClean="0"/>
-              <a:t>2/22/22</a:t>
+              <a:t>11/19/24</a:t>
             </a:fld>
             <a:endParaRPr lang="en-US"/>
           </a:p>
@@ -2662,7 +2667,7 @@
           <a:p>
             <a:fld id="{35ECD0B9-2EC5-1A48-9CF3-F314189B44A4}" type="datetimeFigureOut">
               <a:rPr lang="en-US" smtClean="0"/>
-              <a:t>2/22/22</a:t>
+              <a:t>11/19/24</a:t>
             </a:fld>
             <a:endParaRPr lang="en-US"/>
           </a:p>
@@ -2927,7 +2932,7 @@
           <a:p>
             <a:fld id="{35ECD0B9-2EC5-1A48-9CF3-F314189B44A4}" type="datetimeFigureOut">
               <a:rPr lang="en-US" smtClean="0"/>
-              <a:t>2/22/22</a:t>
+              <a:t>11/19/24</a:t>
             </a:fld>
             <a:endParaRPr lang="en-US"/>
           </a:p>
@@ -3339,7 +3344,7 @@
           <a:p>
             <a:fld id="{35ECD0B9-2EC5-1A48-9CF3-F314189B44A4}" type="datetimeFigureOut">
               <a:rPr lang="en-US" smtClean="0"/>
-              <a:t>2/22/22</a:t>
+              <a:t>11/19/24</a:t>
             </a:fld>
             <a:endParaRPr lang="en-US"/>
           </a:p>
@@ -3480,7 +3485,7 @@
           <a:p>
             <a:fld id="{35ECD0B9-2EC5-1A48-9CF3-F314189B44A4}" type="datetimeFigureOut">
               <a:rPr lang="en-US" smtClean="0"/>
-              <a:t>2/22/22</a:t>
+              <a:t>11/19/24</a:t>
             </a:fld>
             <a:endParaRPr lang="en-US"/>
           </a:p>
@@ -3593,7 +3598,7 @@
           <a:p>
             <a:fld id="{35ECD0B9-2EC5-1A48-9CF3-F314189B44A4}" type="datetimeFigureOut">
               <a:rPr lang="en-US" smtClean="0"/>
-              <a:t>2/22/22</a:t>
+              <a:t>11/19/24</a:t>
             </a:fld>
             <a:endParaRPr lang="en-US"/>
           </a:p>
@@ -3904,7 +3909,7 @@
           <a:p>
             <a:fld id="{35ECD0B9-2EC5-1A48-9CF3-F314189B44A4}" type="datetimeFigureOut">
               <a:rPr lang="en-US" smtClean="0"/>
-              <a:t>2/22/22</a:t>
+              <a:t>11/19/24</a:t>
             </a:fld>
             <a:endParaRPr lang="en-US"/>
           </a:p>
@@ -4192,7 +4197,7 @@
           <a:p>
             <a:fld id="{35ECD0B9-2EC5-1A48-9CF3-F314189B44A4}" type="datetimeFigureOut">
               <a:rPr lang="en-US" smtClean="0"/>
-              <a:t>2/22/22</a:t>
+              <a:t>11/19/24</a:t>
             </a:fld>
             <a:endParaRPr lang="en-US"/>
           </a:p>
@@ -4433,7 +4438,7 @@
           <a:p>
             <a:fld id="{35ECD0B9-2EC5-1A48-9CF3-F314189B44A4}" type="datetimeFigureOut">
               <a:rPr lang="en-US" smtClean="0"/>
-              <a:t>2/22/22</a:t>
+              <a:t>11/19/24</a:t>
             </a:fld>
             <a:endParaRPr lang="en-US"/>
           </a:p>
